--- a/ProyectoIA.pptx
+++ b/ProyectoIA.pptx
@@ -127,6 +127,11 @@
       </a:defRPr>
     </a:lvl9pPr>
   </p:defaultTextStyle>
+  <p:extLst>
+    <p:ext uri="{EFAFB233-063F-42B5-8137-9DF3F51BA10A}">
+      <p15:sldGuideLst xmlns:p15="http://schemas.microsoft.com/office/powerpoint/2012/main"/>
+    </p:ext>
+  </p:extLst>
 </p:presentation>
 </file>
 
@@ -6668,8 +6673,8 @@
           </a:p>
         </p:txBody>
       </p:sp>
-      <mc:AlternateContent xmlns:mc="http://schemas.openxmlformats.org/markup-compatibility/2006">
-        <mc:Choice xmlns:a14="http://schemas.microsoft.com/office/drawing/2010/main" Requires="a14">
+      <mc:AlternateContent xmlns:mc="http://schemas.openxmlformats.org/markup-compatibility/2006" xmlns:a14="http://schemas.microsoft.com/office/drawing/2010/main">
+        <mc:Choice Requires="a14">
           <p:sp>
             <p:nvSpPr>
               <p:cNvPr id="3" name="Marcador de contenido 2">
@@ -6711,39 +6716,53 @@
                       <m:rPr>
                         <m:sty m:val="p"/>
                       </m:rPr>
-                      <a:rPr lang="es-ES"/>
+                      <a:rPr lang="es-ES">
+                        <a:latin typeface="Cambria Math" panose="02040503050406030204" pitchFamily="18" charset="0"/>
+                      </a:rPr>
                       <m:t>TP</m:t>
                     </m:r>
                     <m:r>
-                      <a:rPr lang="es-ES"/>
+                      <a:rPr lang="es-ES">
+                        <a:latin typeface="Cambria Math" panose="02040503050406030204" pitchFamily="18" charset="0"/>
+                      </a:rPr>
                       <m:t> </m:t>
                     </m:r>
                     <m:r>
                       <m:rPr>
                         <m:sty m:val="p"/>
                       </m:rPr>
-                      <a:rPr lang="es-ES"/>
+                      <a:rPr lang="es-ES">
+                        <a:latin typeface="Cambria Math" panose="02040503050406030204" pitchFamily="18" charset="0"/>
+                      </a:rPr>
                       <m:t>Rate</m:t>
                     </m:r>
                     <m:r>
-                      <a:rPr lang="es-ES"/>
+                      <a:rPr lang="es-ES">
+                        <a:latin typeface="Cambria Math" panose="02040503050406030204" pitchFamily="18" charset="0"/>
+                      </a:rPr>
                       <m:t>=</m:t>
                     </m:r>
                     <m:f>
                       <m:fPr>
                         <m:ctrlPr>
-                          <a:rPr lang="en-US" i="1"/>
+                          <a:rPr lang="en-US" i="1">
+                            <a:latin typeface="Cambria Math" panose="02040503050406030204" pitchFamily="18" charset="0"/>
+                          </a:rPr>
                         </m:ctrlPr>
                       </m:fPr>
                       <m:num>
                         <m:r>
-                          <a:rPr lang="es-ES" i="1"/>
+                          <a:rPr lang="es-ES" i="1">
+                            <a:latin typeface="Cambria Math" panose="02040503050406030204" pitchFamily="18" charset="0"/>
+                          </a:rPr>
                           <m:t>𝑇𝑃</m:t>
                         </m:r>
                       </m:num>
                       <m:den>
                         <m:r>
-                          <a:rPr lang="es-ES" i="1"/>
+                          <a:rPr lang="es-ES" i="1">
+                            <a:latin typeface="Cambria Math" panose="02040503050406030204" pitchFamily="18" charset="0"/>
+                          </a:rPr>
                           <m:t>𝑃</m:t>
                         </m:r>
                       </m:den>
@@ -6773,39 +6792,53 @@
                       <m:rPr>
                         <m:sty m:val="p"/>
                       </m:rPr>
-                      <a:rPr lang="es-ES"/>
+                      <a:rPr lang="es-ES">
+                        <a:latin typeface="Cambria Math" panose="02040503050406030204" pitchFamily="18" charset="0"/>
+                      </a:rPr>
                       <m:t>TN</m:t>
                     </m:r>
                     <m:r>
-                      <a:rPr lang="es-ES"/>
+                      <a:rPr lang="es-ES">
+                        <a:latin typeface="Cambria Math" panose="02040503050406030204" pitchFamily="18" charset="0"/>
+                      </a:rPr>
                       <m:t> </m:t>
                     </m:r>
                     <m:r>
                       <m:rPr>
                         <m:sty m:val="p"/>
                       </m:rPr>
-                      <a:rPr lang="es-ES"/>
+                      <a:rPr lang="es-ES">
+                        <a:latin typeface="Cambria Math" panose="02040503050406030204" pitchFamily="18" charset="0"/>
+                      </a:rPr>
                       <m:t>Rate</m:t>
                     </m:r>
                     <m:r>
-                      <a:rPr lang="es-ES"/>
+                      <a:rPr lang="es-ES">
+                        <a:latin typeface="Cambria Math" panose="02040503050406030204" pitchFamily="18" charset="0"/>
+                      </a:rPr>
                       <m:t>=</m:t>
                     </m:r>
                     <m:f>
                       <m:fPr>
                         <m:ctrlPr>
-                          <a:rPr lang="en-US" i="1"/>
+                          <a:rPr lang="en-US" i="1">
+                            <a:latin typeface="Cambria Math" panose="02040503050406030204" pitchFamily="18" charset="0"/>
+                          </a:rPr>
                         </m:ctrlPr>
                       </m:fPr>
                       <m:num>
                         <m:r>
-                          <a:rPr lang="es-ES" i="1"/>
+                          <a:rPr lang="es-ES" i="1">
+                            <a:latin typeface="Cambria Math" panose="02040503050406030204" pitchFamily="18" charset="0"/>
+                          </a:rPr>
                           <m:t>𝑇𝑁</m:t>
                         </m:r>
                       </m:num>
                       <m:den>
                         <m:r>
-                          <a:rPr lang="es-ES" i="1"/>
+                          <a:rPr lang="es-ES" i="1">
+                            <a:latin typeface="Cambria Math" panose="02040503050406030204" pitchFamily="18" charset="0"/>
+                          </a:rPr>
                           <m:t>𝑁</m:t>
                         </m:r>
                       </m:den>
@@ -6820,7 +6853,7 @@
             </p:txBody>
           </p:sp>
         </mc:Choice>
-        <mc:Fallback>
+        <mc:Fallback xmlns="">
           <p:sp>
             <p:nvSpPr>
               <p:cNvPr id="3" name="Marcador de contenido 2">
@@ -6951,7 +6984,15 @@
               <a:p>
                 <a:r>
                   <a:rPr lang="es-ES" dirty="0"/>
-                  <a:t>Mide el nivel de acuerde entre la clasificación predicha por el modelo clasificador y la clasificación obtenida en los datos de prueba, corrigiendo el acuerdo que sucede por azar, es decir mide la probabilidad de que el clasificador clasifique una instancia al azar. Si P observado es el acuerdo observado entre el modelo clasificador y la clasificación real, y P esperado es la probabilidad de acuerdo por casualidad.</a:t>
+                  <a:t>Mide el nivel </a:t>
+                </a:r>
+                <a:r>
+                  <a:rPr lang="es-ES"/>
+                  <a:t>de acuerdo </a:t>
+                </a:r>
+                <a:r>
+                  <a:rPr lang="es-ES" dirty="0"/>
+                  <a:t>entre la clasificación predicha por el modelo clasificador y la clasificación obtenida en los datos de prueba, corrigiendo el acuerdo que sucede por azar, es decir mide la probabilidad de que el clasificador clasifique una instancia al azar. Si P observado es el acuerdo observado entre el modelo clasificador y la clasificación real, y P esperado es la probabilidad de acuerdo por casualidad.</a:t>
                 </a:r>
                 <a:endParaRPr lang="en-US" dirty="0"/>
               </a:p>
@@ -6959,58 +7000,78 @@
                 <a14:m>
                   <m:oMath xmlns:m="http://schemas.openxmlformats.org/officeDocument/2006/math">
                     <m:r>
-                      <a:rPr lang="es-ES" i="1"/>
+                      <a:rPr lang="es-ES" i="1">
+                        <a:latin typeface="Cambria Math" panose="02040503050406030204" pitchFamily="18" charset="0"/>
+                      </a:rPr>
                       <m:t>𝑘𝑎𝑝𝑝𝑎</m:t>
                     </m:r>
                     <m:r>
-                      <a:rPr lang="es-ES" i="1"/>
+                      <a:rPr lang="es-ES" i="1">
+                        <a:latin typeface="Cambria Math" panose="02040503050406030204" pitchFamily="18" charset="0"/>
+                      </a:rPr>
                       <m:t>=</m:t>
                     </m:r>
                     <m:f>
                       <m:fPr>
                         <m:ctrlPr>
-                          <a:rPr lang="en-US" i="1"/>
+                          <a:rPr lang="en-US" i="1">
+                            <a:latin typeface="Cambria Math" panose="02040503050406030204" pitchFamily="18" charset="0"/>
+                          </a:rPr>
                         </m:ctrlPr>
                       </m:fPr>
                       <m:num>
                         <m:sSub>
                           <m:sSubPr>
                             <m:ctrlPr>
-                              <a:rPr lang="en-US" i="1"/>
+                              <a:rPr lang="en-US" i="1">
+                                <a:latin typeface="Cambria Math" panose="02040503050406030204" pitchFamily="18" charset="0"/>
+                              </a:rPr>
                             </m:ctrlPr>
                           </m:sSubPr>
                           <m:e>
                             <m:r>
-                              <a:rPr lang="es-ES" i="1"/>
+                              <a:rPr lang="es-ES" i="1">
+                                <a:latin typeface="Cambria Math" panose="02040503050406030204" pitchFamily="18" charset="0"/>
+                              </a:rPr>
                               <m:t>𝑃</m:t>
                             </m:r>
                           </m:e>
                           <m:sub>
                             <m:r>
-                              <a:rPr lang="es-ES" i="1"/>
+                              <a:rPr lang="es-ES" i="1">
+                                <a:latin typeface="Cambria Math" panose="02040503050406030204" pitchFamily="18" charset="0"/>
+                              </a:rPr>
                               <m:t>𝑜𝑏𝑠𝑒𝑟𝑣𝑎𝑑𝑜</m:t>
                             </m:r>
                           </m:sub>
                         </m:sSub>
                         <m:r>
-                          <a:rPr lang="es-ES" i="1"/>
+                          <a:rPr lang="es-ES" i="1">
+                            <a:latin typeface="Cambria Math" panose="02040503050406030204" pitchFamily="18" charset="0"/>
+                          </a:rPr>
                           <m:t>−</m:t>
                         </m:r>
                         <m:sSub>
                           <m:sSubPr>
                             <m:ctrlPr>
-                              <a:rPr lang="en-US" i="1"/>
+                              <a:rPr lang="en-US" i="1">
+                                <a:latin typeface="Cambria Math" panose="02040503050406030204" pitchFamily="18" charset="0"/>
+                              </a:rPr>
                             </m:ctrlPr>
                           </m:sSubPr>
                           <m:e>
                             <m:r>
-                              <a:rPr lang="es-ES" i="1"/>
+                              <a:rPr lang="es-ES" i="1">
+                                <a:latin typeface="Cambria Math" panose="02040503050406030204" pitchFamily="18" charset="0"/>
+                              </a:rPr>
                               <m:t>𝑃</m:t>
                             </m:r>
                           </m:e>
                           <m:sub>
                             <m:r>
-                              <a:rPr lang="es-ES" i="1"/>
+                              <a:rPr lang="es-ES" i="1">
+                                <a:latin typeface="Cambria Math" panose="02040503050406030204" pitchFamily="18" charset="0"/>
+                              </a:rPr>
                               <m:t>𝑒𝑠𝑝𝑒𝑟𝑎𝑑𝑜</m:t>
                             </m:r>
                           </m:sub>
@@ -7018,24 +7079,32 @@
                       </m:num>
                       <m:den>
                         <m:r>
-                          <a:rPr lang="es-ES" i="1"/>
+                          <a:rPr lang="es-ES" i="1">
+                            <a:latin typeface="Cambria Math" panose="02040503050406030204" pitchFamily="18" charset="0"/>
+                          </a:rPr>
                           <m:t>1−</m:t>
                         </m:r>
                         <m:sSub>
                           <m:sSubPr>
                             <m:ctrlPr>
-                              <a:rPr lang="en-US" i="1"/>
+                              <a:rPr lang="en-US" i="1">
+                                <a:latin typeface="Cambria Math" panose="02040503050406030204" pitchFamily="18" charset="0"/>
+                              </a:rPr>
                             </m:ctrlPr>
                           </m:sSubPr>
                           <m:e>
                             <m:r>
-                              <a:rPr lang="es-ES" i="1"/>
+                              <a:rPr lang="es-ES" i="1">
+                                <a:latin typeface="Cambria Math" panose="02040503050406030204" pitchFamily="18" charset="0"/>
+                              </a:rPr>
                               <m:t>𝑃</m:t>
                             </m:r>
                           </m:e>
                           <m:sub>
                             <m:r>
-                              <a:rPr lang="es-ES" i="1"/>
+                              <a:rPr lang="es-ES" i="1">
+                                <a:latin typeface="Cambria Math" panose="02040503050406030204" pitchFamily="18" charset="0"/>
+                              </a:rPr>
                               <m:t>𝑒𝑠𝑝𝑒𝑟𝑎𝑑𝑜</m:t>
                             </m:r>
                           </m:sub>
